--- a/2021-04-12to04-16 (A5) C53517 SoftMARS/31_04v01_MarsBaseAlpha_Certificate_Demix.pptx
+++ b/2021-04-12to04-16 (A5) C53517 SoftMARS/31_04v01_MarsBaseAlpha_Certificate_Demix.pptx
@@ -482,7 +482,7 @@
           <a:p>
             <a:fld id="{1D8BD707-D9CF-40AE-B4C6-C98DA3205C09}" type="datetimeFigureOut">
               <a:rPr lang="en-US"/>
-              <a:t>4/16/2021</a:t>
+              <a:t>1/6/2022</a:t>
             </a:fld>
             <a:endParaRPr lang="en-US"/>
           </a:p>
@@ -647,7 +647,7 @@
           <a:p>
             <a:fld id="{1D8BD707-D9CF-40AE-B4C6-C98DA3205C09}" type="datetimeFigureOut">
               <a:rPr lang="en-US"/>
-              <a:t>4/16/2021</a:t>
+              <a:t>1/6/2022</a:t>
             </a:fld>
             <a:endParaRPr lang="en-US"/>
           </a:p>
@@ -855,7 +855,7 @@
           <a:p>
             <a:fld id="{1D8BD707-D9CF-40AE-B4C6-C98DA3205C09}" type="datetimeFigureOut">
               <a:rPr lang="en-US"/>
-              <a:t>4/16/2021</a:t>
+              <a:t>1/6/2022</a:t>
             </a:fld>
             <a:endParaRPr lang="en-US"/>
           </a:p>
@@ -997,7 +997,7 @@
           <a:p>
             <a:fld id="{1D8BD707-D9CF-40AE-B4C6-C98DA3205C09}" type="datetimeFigureOut">
               <a:rPr lang="en-US"/>
-              <a:t>4/16/2021</a:t>
+              <a:t>1/6/2022</a:t>
             </a:fld>
             <a:endParaRPr lang="en-US"/>
           </a:p>
@@ -1116,7 +1116,7 @@
           <a:p>
             <a:fld id="{1D8BD707-D9CF-40AE-B4C6-C98DA3205C09}" type="datetimeFigureOut">
               <a:rPr lang="en-US"/>
-              <a:t>4/16/2021</a:t>
+              <a:t>1/6/2022</a:t>
             </a:fld>
             <a:endParaRPr lang="en-US"/>
           </a:p>
@@ -1329,7 +1329,7 @@
           <a:p>
             <a:fld id="{1D8BD707-D9CF-40AE-B4C6-C98DA3205C09}" type="datetimeFigureOut">
               <a:rPr lang="en-US"/>
-              <a:t>4/16/2021</a:t>
+              <a:t>1/6/2022</a:t>
             </a:fld>
             <a:endParaRPr lang="en-US"/>
           </a:p>
@@ -1557,7 +1557,7 @@
           <p:nvPr/>
         </p:nvPicPr>
         <p:blipFill>
-          <a:blip r:embed="rId3" cstate="print">
+          <a:blip r:embed="rId4" cstate="print">
             <a:extLst>
               <a:ext uri="{28A0092B-C50C-407E-A947-70E740481C1C}">
                 <a14:useLocalDpi xmlns:a14="http://schemas.microsoft.com/office/drawing/2010/main" val="0"/>
@@ -2615,7 +2615,7 @@
           <p:nvPr/>
         </p:nvPicPr>
         <p:blipFill>
-          <a:blip r:embed="rId4" cstate="print">
+          <a:blip r:embed="rId5" cstate="print">
             <a:extLst>
               <a:ext uri="{28A0092B-C50C-407E-A947-70E740481C1C}">
                 <a14:useLocalDpi xmlns:a14="http://schemas.microsoft.com/office/drawing/2010/main" val="0"/>
@@ -3146,7 +3146,7 @@
           <p:nvPr>
             <p:extLst>
               <p:ext uri="{D42A27DB-BD31-4B8C-83A1-F6EECF244321}">
-                <p14:modId xmlns:p14="http://schemas.microsoft.com/office/powerpoint/2010/main" val="313999631"/>
+                <p14:modId xmlns:p14="http://schemas.microsoft.com/office/powerpoint/2010/main" val="2826825230"/>
               </p:ext>
             </p:extLst>
           </p:nvPr>
@@ -3159,12 +3159,12 @@
           <a:graphicData uri="http://schemas.openxmlformats.org/presentationml/2006/ole">
             <mc:AlternateContent xmlns:mc="http://schemas.openxmlformats.org/markup-compatibility/2006">
               <mc:Choice xmlns:v="urn:schemas-microsoft-com:vml" Requires="v">
-                <p:oleObj name="Macro-Enabled Worksheet" r:id="rId5" imgW="2546220" imgH="336665" progId="Excel.SheetMacroEnabled.12">
+                <p:oleObj spid="_x0000_s1026" name="Macro-Enabled Worksheet" r:id="rId6" imgW="2447985" imgH="342772" progId="Excel.SheetMacroEnabled.12">
                   <p:link updateAutomatic="1"/>
                 </p:oleObj>
               </mc:Choice>
               <mc:Fallback>
-                <p:oleObj name="Macro-Enabled Worksheet" r:id="rId5" imgW="2546220" imgH="336665" progId="Excel.SheetMacroEnabled.12">
+                <p:oleObj name="Macro-Enabled Worksheet" r:id="rId6" imgW="2447985" imgH="342772" progId="Excel.SheetMacroEnabled.12">
                   <p:link updateAutomatic="1"/>
                   <p:pic>
                     <p:nvPicPr>
@@ -3173,7 +3173,7 @@
                       <p:nvPr/>
                     </p:nvPicPr>
                     <p:blipFill>
-                      <a:blip r:embed="rId6"/>
+                      <a:blip r:embed="rId7"/>
                       <a:stretch>
                         <a:fillRect/>
                       </a:stretch>
@@ -3209,7 +3209,7 @@
           <p:nvPr>
             <p:extLst>
               <p:ext uri="{D42A27DB-BD31-4B8C-83A1-F6EECF244321}">
-                <p14:modId xmlns:p14="http://schemas.microsoft.com/office/powerpoint/2010/main" val="1424280050"/>
+                <p14:modId xmlns:p14="http://schemas.microsoft.com/office/powerpoint/2010/main" val="331076952"/>
               </p:ext>
             </p:extLst>
           </p:nvPr>
@@ -3222,12 +3222,12 @@
           <a:graphicData uri="http://schemas.openxmlformats.org/presentationml/2006/ole">
             <mc:AlternateContent xmlns:mc="http://schemas.openxmlformats.org/markup-compatibility/2006">
               <mc:Choice xmlns:v="urn:schemas-microsoft-com:vml" Requires="v">
-                <p:oleObj name="Macro-Enabled Worksheet" r:id="rId7" imgW="6902580" imgH="552381" progId="Excel.SheetMacroEnabled.12">
+                <p:oleObj spid="_x0000_s1027" name="Macro-Enabled Worksheet" r:id="rId8" imgW="6619719" imgH="552350" progId="Excel.SheetMacroEnabled.12">
                   <p:link updateAutomatic="1"/>
                 </p:oleObj>
               </mc:Choice>
               <mc:Fallback>
-                <p:oleObj name="Macro-Enabled Worksheet" r:id="rId7" imgW="6902580" imgH="552381" progId="Excel.SheetMacroEnabled.12">
+                <p:oleObj name="Macro-Enabled Worksheet" r:id="rId8" imgW="6619719" imgH="552350" progId="Excel.SheetMacroEnabled.12">
                   <p:link updateAutomatic="1"/>
                   <p:pic>
                     <p:nvPicPr>
@@ -3236,7 +3236,7 @@
                       <p:nvPr/>
                     </p:nvPicPr>
                     <p:blipFill>
-                      <a:blip r:embed="rId8"/>
+                      <a:blip r:embed="rId9"/>
                       <a:stretch>
                         <a:fillRect/>
                       </a:stretch>
@@ -3272,7 +3272,7 @@
           <p:nvPr>
             <p:extLst>
               <p:ext uri="{D42A27DB-BD31-4B8C-83A1-F6EECF244321}">
-                <p14:modId xmlns:p14="http://schemas.microsoft.com/office/powerpoint/2010/main" val="1187874428"/>
+                <p14:modId xmlns:p14="http://schemas.microsoft.com/office/powerpoint/2010/main" val="2946645871"/>
               </p:ext>
             </p:extLst>
           </p:nvPr>
@@ -3285,12 +3285,12 @@
           <a:graphicData uri="http://schemas.openxmlformats.org/presentationml/2006/ole">
             <mc:AlternateContent xmlns:mc="http://schemas.openxmlformats.org/markup-compatibility/2006">
               <mc:Choice xmlns:v="urn:schemas-microsoft-com:vml" Requires="v">
-                <p:oleObj name="Macro-Enabled Worksheet" r:id="rId9" imgW="6902580" imgH="641327" progId="Excel.SheetMacroEnabled.12">
+                <p:oleObj spid="_x0000_s1028" name="Macro-Enabled Worksheet" r:id="rId10" imgW="6619719" imgH="647544" progId="Excel.SheetMacroEnabled.12">
                   <p:link updateAutomatic="1"/>
                 </p:oleObj>
               </mc:Choice>
               <mc:Fallback>
-                <p:oleObj name="Macro-Enabled Worksheet" r:id="rId9" imgW="6902580" imgH="641327" progId="Excel.SheetMacroEnabled.12">
+                <p:oleObj name="Macro-Enabled Worksheet" r:id="rId10" imgW="6619719" imgH="647544" progId="Excel.SheetMacroEnabled.12">
                   <p:link updateAutomatic="1"/>
                   <p:pic>
                     <p:nvPicPr>
@@ -3299,7 +3299,7 @@
                       <p:nvPr/>
                     </p:nvPicPr>
                     <p:blipFill>
-                      <a:blip r:embed="rId10"/>
+                      <a:blip r:embed="rId11"/>
                       <a:stretch>
                         <a:fillRect/>
                       </a:stretch>
@@ -3335,7 +3335,7 @@
           <p:nvPr>
             <p:extLst>
               <p:ext uri="{D42A27DB-BD31-4B8C-83A1-F6EECF244321}">
-                <p14:modId xmlns:p14="http://schemas.microsoft.com/office/powerpoint/2010/main" val="3368918958"/>
+                <p14:modId xmlns:p14="http://schemas.microsoft.com/office/powerpoint/2010/main" val="1652173316"/>
               </p:ext>
             </p:extLst>
           </p:nvPr>
@@ -3348,12 +3348,12 @@
           <a:graphicData uri="http://schemas.openxmlformats.org/presentationml/2006/ole">
             <mc:AlternateContent xmlns:mc="http://schemas.openxmlformats.org/markup-compatibility/2006">
               <mc:Choice xmlns:v="urn:schemas-microsoft-com:vml" Requires="v">
-                <p:oleObj name="Macro-Enabled Worksheet" r:id="rId11" imgW="6902580" imgH="336665" progId="Excel.SheetMacroEnabled.12">
+                <p:oleObj spid="_x0000_s1029" name="Macro-Enabled Worksheet" r:id="rId12" imgW="6619719" imgH="342772" progId="Excel.SheetMacroEnabled.12">
                   <p:link updateAutomatic="1"/>
                 </p:oleObj>
               </mc:Choice>
               <mc:Fallback>
-                <p:oleObj name="Macro-Enabled Worksheet" r:id="rId11" imgW="6902580" imgH="336665" progId="Excel.SheetMacroEnabled.12">
+                <p:oleObj name="Macro-Enabled Worksheet" r:id="rId12" imgW="6619719" imgH="342772" progId="Excel.SheetMacroEnabled.12">
                   <p:link updateAutomatic="1"/>
                   <p:pic>
                     <p:nvPicPr>
@@ -3362,7 +3362,7 @@
                       <p:nvPr/>
                     </p:nvPicPr>
                     <p:blipFill>
-                      <a:blip r:embed="rId12"/>
+                      <a:blip r:embed="rId13"/>
                       <a:stretch>
                         <a:fillRect/>
                       </a:stretch>
@@ -3398,7 +3398,7 @@
           <p:nvPr/>
         </p:nvPicPr>
         <p:blipFill>
-          <a:blip r:embed="rId13">
+          <a:blip r:embed="rId14">
             <a:extLst>
               <a:ext uri="{28A0092B-C50C-407E-A947-70E740481C1C}">
                 <a14:useLocalDpi xmlns:a14="http://schemas.microsoft.com/office/drawing/2010/main" val="0"/>
@@ -3434,7 +3434,7 @@
           <p:nvPr>
             <p:extLst>
               <p:ext uri="{D42A27DB-BD31-4B8C-83A1-F6EECF244321}">
-                <p14:modId xmlns:p14="http://schemas.microsoft.com/office/powerpoint/2010/main" val="3421084916"/>
+                <p14:modId xmlns:p14="http://schemas.microsoft.com/office/powerpoint/2010/main" val="2570900963"/>
               </p:ext>
             </p:extLst>
           </p:nvPr>
@@ -3447,12 +3447,12 @@
           <a:graphicData uri="http://schemas.openxmlformats.org/presentationml/2006/ole">
             <mc:AlternateContent xmlns:mc="http://schemas.openxmlformats.org/markup-compatibility/2006">
               <mc:Choice xmlns:v="urn:schemas-microsoft-com:vml" Requires="v">
-                <p:oleObj name="Macro-Enabled Worksheet" r:id="rId14" imgW="3816428" imgH="908165" progId="Excel.SheetMacroEnabled.12">
+                <p:oleObj spid="_x0000_s1030" name="Macro-Enabled Worksheet" r:id="rId15" imgW="3667185" imgH="914315" progId="Excel.SheetMacroEnabled.12">
                   <p:link updateAutomatic="1"/>
                 </p:oleObj>
               </mc:Choice>
               <mc:Fallback>
-                <p:oleObj name="Macro-Enabled Worksheet" r:id="rId14" imgW="3816428" imgH="908165" progId="Excel.SheetMacroEnabled.12">
+                <p:oleObj name="Macro-Enabled Worksheet" r:id="rId15" imgW="3667185" imgH="914315" progId="Excel.SheetMacroEnabled.12">
                   <p:link updateAutomatic="1"/>
                   <p:pic>
                     <p:nvPicPr>
@@ -3461,7 +3461,7 @@
                       <p:nvPr/>
                     </p:nvPicPr>
                     <p:blipFill>
-                      <a:blip r:embed="rId15"/>
+                      <a:blip r:embed="rId16"/>
                       <a:stretch>
                         <a:fillRect/>
                       </a:stretch>
@@ -3497,7 +3497,7 @@
           <p:nvPr>
             <p:extLst>
               <p:ext uri="{D42A27DB-BD31-4B8C-83A1-F6EECF244321}">
-                <p14:modId xmlns:p14="http://schemas.microsoft.com/office/powerpoint/2010/main" val="2764641366"/>
+                <p14:modId xmlns:p14="http://schemas.microsoft.com/office/powerpoint/2010/main" val="2863523428"/>
               </p:ext>
             </p:extLst>
           </p:nvPr>
@@ -3510,12 +3510,12 @@
           <a:graphicData uri="http://schemas.openxmlformats.org/presentationml/2006/ole">
             <mc:AlternateContent xmlns:mc="http://schemas.openxmlformats.org/markup-compatibility/2006">
               <mc:Choice xmlns:v="urn:schemas-microsoft-com:vml" Requires="v">
-                <p:oleObj name="Macro-Enabled Worksheet" r:id="rId16" imgW="3117669" imgH="247719" progId="Excel.SheetMacroEnabled.12">
+                <p:oleObj spid="_x0000_s1031" name="Macro-Enabled Worksheet" r:id="rId17" imgW="3000459" imgH="247579" progId="Excel.SheetMacroEnabled.12">
                   <p:link updateAutomatic="1"/>
                 </p:oleObj>
               </mc:Choice>
               <mc:Fallback>
-                <p:oleObj name="Macro-Enabled Worksheet" r:id="rId16" imgW="3117669" imgH="247719" progId="Excel.SheetMacroEnabled.12">
+                <p:oleObj name="Macro-Enabled Worksheet" r:id="rId17" imgW="3000459" imgH="247579" progId="Excel.SheetMacroEnabled.12">
                   <p:link updateAutomatic="1"/>
                   <p:pic>
                     <p:nvPicPr>
@@ -3524,7 +3524,7 @@
                       <p:nvPr/>
                     </p:nvPicPr>
                     <p:blipFill>
-                      <a:blip r:embed="rId17"/>
+                      <a:blip r:embed="rId18"/>
                       <a:stretch>
                         <a:fillRect/>
                       </a:stretch>
@@ -3560,7 +3560,7 @@
           <p:nvPr/>
         </p:nvPicPr>
         <p:blipFill>
-          <a:blip r:embed="rId18">
+          <a:blip r:embed="rId19">
             <a:extLst>
               <a:ext uri="{28A0092B-C50C-407E-A947-70E740481C1C}">
                 <a14:useLocalDpi xmlns:a14="http://schemas.microsoft.com/office/drawing/2010/main" val="0"/>
@@ -3596,7 +3596,7 @@
           <p:nvPr/>
         </p:nvPicPr>
         <p:blipFill rotWithShape="1">
-          <a:blip r:embed="rId19" cstate="print">
+          <a:blip r:embed="rId20" cstate="print">
             <a:extLst>
               <a:ext uri="{28A0092B-C50C-407E-A947-70E740481C1C}">
                 <a14:useLocalDpi xmlns:a14="http://schemas.microsoft.com/office/drawing/2010/main" val="0"/>
@@ -3650,7 +3650,7 @@
           <p:nvPr/>
         </p:nvPicPr>
         <p:blipFill>
-          <a:blip r:embed="rId3" cstate="print">
+          <a:blip r:embed="rId4" cstate="print">
             <a:extLst>
               <a:ext uri="{28A0092B-C50C-407E-A947-70E740481C1C}">
                 <a14:useLocalDpi xmlns:a14="http://schemas.microsoft.com/office/drawing/2010/main" val="0"/>
@@ -4702,7 +4702,7 @@
           <p:nvPr/>
         </p:nvPicPr>
         <p:blipFill>
-          <a:blip r:embed="rId4" cstate="print">
+          <a:blip r:embed="rId5" cstate="print">
             <a:extLst>
               <a:ext uri="{28A0092B-C50C-407E-A947-70E740481C1C}">
                 <a14:useLocalDpi xmlns:a14="http://schemas.microsoft.com/office/drawing/2010/main" val="0"/>
@@ -5218,7 +5218,13 @@
           <p:cNvGraphicFramePr>
             <a:graphicFrameLocks noChangeAspect="1"/>
           </p:cNvGraphicFramePr>
-          <p:nvPr/>
+          <p:nvPr>
+            <p:extLst>
+              <p:ext uri="{D42A27DB-BD31-4B8C-83A1-F6EECF244321}">
+                <p14:modId xmlns:p14="http://schemas.microsoft.com/office/powerpoint/2010/main" val="909574400"/>
+              </p:ext>
+            </p:extLst>
+          </p:nvPr>
         </p:nvGraphicFramePr>
         <p:xfrm>
           <a:off x="4637647" y="4791993"/>
@@ -5228,12 +5234,12 @@
           <a:graphicData uri="http://schemas.openxmlformats.org/presentationml/2006/ole">
             <mc:AlternateContent xmlns:mc="http://schemas.openxmlformats.org/markup-compatibility/2006">
               <mc:Choice xmlns:v="urn:schemas-microsoft-com:vml" Requires="v">
-                <p:oleObj name="Macro-Enabled Worksheet" r:id="rId5" imgW="2546220" imgH="336665" progId="Excel.SheetMacroEnabled.12">
+                <p:oleObj spid="_x0000_s2050" name="Macro-Enabled Worksheet" r:id="rId6" imgW="2447985" imgH="342772" progId="Excel.SheetMacroEnabled.12">
                   <p:link updateAutomatic="1"/>
                 </p:oleObj>
               </mc:Choice>
               <mc:Fallback>
-                <p:oleObj name="Macro-Enabled Worksheet" r:id="rId5" imgW="2546220" imgH="336665" progId="Excel.SheetMacroEnabled.12">
+                <p:oleObj name="Macro-Enabled Worksheet" r:id="rId6" imgW="2447985" imgH="342772" progId="Excel.SheetMacroEnabled.12">
                   <p:link updateAutomatic="1"/>
                   <p:pic>
                     <p:nvPicPr>
@@ -5248,7 +5254,7 @@
                       <p:nvPr/>
                     </p:nvPicPr>
                     <p:blipFill>
-                      <a:blip r:embed="rId6"/>
+                      <a:blip r:embed="rId7"/>
                       <a:stretch>
                         <a:fillRect/>
                       </a:stretch>
@@ -5284,7 +5290,7 @@
           <p:nvPr>
             <p:extLst>
               <p:ext uri="{D42A27DB-BD31-4B8C-83A1-F6EECF244321}">
-                <p14:modId xmlns:p14="http://schemas.microsoft.com/office/powerpoint/2010/main" val="3469858282"/>
+                <p14:modId xmlns:p14="http://schemas.microsoft.com/office/powerpoint/2010/main" val="3520860404"/>
               </p:ext>
             </p:extLst>
           </p:nvPr>
@@ -5297,12 +5303,12 @@
           <a:graphicData uri="http://schemas.openxmlformats.org/presentationml/2006/ole">
             <mc:AlternateContent xmlns:mc="http://schemas.openxmlformats.org/markup-compatibility/2006">
               <mc:Choice xmlns:v="urn:schemas-microsoft-com:vml" Requires="v">
-                <p:oleObj name="Macro-Enabled Worksheet" r:id="rId7" imgW="6902580" imgH="336665" progId="Excel.SheetMacroEnabled.12">
+                <p:oleObj spid="_x0000_s2051" name="Macro-Enabled Worksheet" r:id="rId8" imgW="6619719" imgH="342772" progId="Excel.SheetMacroEnabled.12">
                   <p:link updateAutomatic="1"/>
                 </p:oleObj>
               </mc:Choice>
               <mc:Fallback>
-                <p:oleObj name="Macro-Enabled Worksheet" r:id="rId7" imgW="6902580" imgH="336665" progId="Excel.SheetMacroEnabled.12">
+                <p:oleObj name="Macro-Enabled Worksheet" r:id="rId8" imgW="6619719" imgH="342772" progId="Excel.SheetMacroEnabled.12">
                   <p:link updateAutomatic="1"/>
                   <p:pic>
                     <p:nvPicPr>
@@ -5317,7 +5323,7 @@
                       <p:nvPr/>
                     </p:nvPicPr>
                     <p:blipFill>
-                      <a:blip r:embed="rId8"/>
+                      <a:blip r:embed="rId9"/>
                       <a:stretch>
                         <a:fillRect/>
                       </a:stretch>
@@ -5350,7 +5356,13 @@
           <p:cNvGraphicFramePr>
             <a:graphicFrameLocks noChangeAspect="1"/>
           </p:cNvGraphicFramePr>
-          <p:nvPr/>
+          <p:nvPr>
+            <p:extLst>
+              <p:ext uri="{D42A27DB-BD31-4B8C-83A1-F6EECF244321}">
+                <p14:modId xmlns:p14="http://schemas.microsoft.com/office/powerpoint/2010/main" val="1928704351"/>
+              </p:ext>
+            </p:extLst>
+          </p:nvPr>
         </p:nvGraphicFramePr>
         <p:xfrm>
           <a:off x="5267030" y="5899201"/>
@@ -5360,12 +5372,12 @@
           <a:graphicData uri="http://schemas.openxmlformats.org/presentationml/2006/ole">
             <mc:AlternateContent xmlns:mc="http://schemas.openxmlformats.org/markup-compatibility/2006">
               <mc:Choice xmlns:v="urn:schemas-microsoft-com:vml" Requires="v">
-                <p:oleObj name="Macro-Enabled Worksheet" r:id="rId9" imgW="3816428" imgH="908165" progId="Excel.SheetMacroEnabled.12">
+                <p:oleObj spid="_x0000_s2052" name="Macro-Enabled Worksheet" r:id="rId10" imgW="3667185" imgH="914315" progId="Excel.SheetMacroEnabled.12">
                   <p:link updateAutomatic="1"/>
                 </p:oleObj>
               </mc:Choice>
               <mc:Fallback>
-                <p:oleObj name="Macro-Enabled Worksheet" r:id="rId9" imgW="3816428" imgH="908165" progId="Excel.SheetMacroEnabled.12">
+                <p:oleObj name="Macro-Enabled Worksheet" r:id="rId10" imgW="3667185" imgH="914315" progId="Excel.SheetMacroEnabled.12">
                   <p:link updateAutomatic="1"/>
                   <p:pic>
                     <p:nvPicPr>
@@ -5380,7 +5392,7 @@
                       <p:nvPr/>
                     </p:nvPicPr>
                     <p:blipFill>
-                      <a:blip r:embed="rId10"/>
+                      <a:blip r:embed="rId11"/>
                       <a:stretch>
                         <a:fillRect/>
                       </a:stretch>
@@ -5416,7 +5428,7 @@
           <p:nvPr>
             <p:extLst>
               <p:ext uri="{D42A27DB-BD31-4B8C-83A1-F6EECF244321}">
-                <p14:modId xmlns:p14="http://schemas.microsoft.com/office/powerpoint/2010/main" val="3337561661"/>
+                <p14:modId xmlns:p14="http://schemas.microsoft.com/office/powerpoint/2010/main" val="2491764256"/>
               </p:ext>
             </p:extLst>
           </p:nvPr>
@@ -5429,12 +5441,12 @@
           <a:graphicData uri="http://schemas.openxmlformats.org/presentationml/2006/ole">
             <mc:AlternateContent xmlns:mc="http://schemas.openxmlformats.org/markup-compatibility/2006">
               <mc:Choice xmlns:v="urn:schemas-microsoft-com:vml" Requires="v">
-                <p:oleObj name="Macro-Enabled Worksheet" r:id="rId11" imgW="3117669" imgH="247719" progId="Excel.SheetMacroEnabled.12">
+                <p:oleObj spid="_x0000_s2053" name="Macro-Enabled Worksheet" r:id="rId12" imgW="3000459" imgH="247579" progId="Excel.SheetMacroEnabled.12">
                   <p:link updateAutomatic="1"/>
                 </p:oleObj>
               </mc:Choice>
               <mc:Fallback>
-                <p:oleObj name="Macro-Enabled Worksheet" r:id="rId11" imgW="3117669" imgH="247719" progId="Excel.SheetMacroEnabled.12">
+                <p:oleObj name="Macro-Enabled Worksheet" r:id="rId12" imgW="3000459" imgH="247579" progId="Excel.SheetMacroEnabled.12">
                   <p:link updateAutomatic="1"/>
                   <p:pic>
                     <p:nvPicPr>
@@ -5449,7 +5461,7 @@
                       <p:nvPr/>
                     </p:nvPicPr>
                     <p:blipFill>
-                      <a:blip r:embed="rId12"/>
+                      <a:blip r:embed="rId13"/>
                       <a:stretch>
                         <a:fillRect/>
                       </a:stretch>
@@ -5485,7 +5497,7 @@
           <p:nvPr/>
         </p:nvPicPr>
         <p:blipFill>
-          <a:blip r:embed="rId13">
+          <a:blip r:embed="rId14">
             <a:extLst>
               <a:ext uri="{28A0092B-C50C-407E-A947-70E740481C1C}">
                 <a14:useLocalDpi xmlns:a14="http://schemas.microsoft.com/office/drawing/2010/main" val="0"/>
@@ -5521,7 +5533,7 @@
           <p:nvPr>
             <p:extLst>
               <p:ext uri="{D42A27DB-BD31-4B8C-83A1-F6EECF244321}">
-                <p14:modId xmlns:p14="http://schemas.microsoft.com/office/powerpoint/2010/main" val="3223592037"/>
+                <p14:modId xmlns:p14="http://schemas.microsoft.com/office/powerpoint/2010/main" val="2396979121"/>
               </p:ext>
             </p:extLst>
           </p:nvPr>
@@ -5534,12 +5546,12 @@
           <a:graphicData uri="http://schemas.openxmlformats.org/presentationml/2006/ole">
             <mc:AlternateContent xmlns:mc="http://schemas.openxmlformats.org/markup-compatibility/2006">
               <mc:Choice xmlns:v="urn:schemas-microsoft-com:vml" Requires="v">
-                <p:oleObj name="Macro-Enabled Worksheet" r:id="rId14" imgW="6902580" imgH="304661" progId="Excel.SheetMacroEnabled.12">
+                <p:oleObj spid="_x0000_s2054" name="Macro-Enabled Worksheet" r:id="rId15" imgW="6619719" imgH="304772" progId="Excel.SheetMacroEnabled.12">
                   <p:link updateAutomatic="1"/>
                 </p:oleObj>
               </mc:Choice>
               <mc:Fallback>
-                <p:oleObj name="Macro-Enabled Worksheet" r:id="rId14" imgW="6902580" imgH="304661" progId="Excel.SheetMacroEnabled.12">
+                <p:oleObj name="Macro-Enabled Worksheet" r:id="rId15" imgW="6619719" imgH="304772" progId="Excel.SheetMacroEnabled.12">
                   <p:link updateAutomatic="1"/>
                   <p:pic>
                     <p:nvPicPr>
@@ -5548,7 +5560,7 @@
                       <p:nvPr/>
                     </p:nvPicPr>
                     <p:blipFill>
-                      <a:blip r:embed="rId15"/>
+                      <a:blip r:embed="rId16"/>
                       <a:stretch>
                         <a:fillRect/>
                       </a:stretch>
@@ -5584,7 +5596,7 @@
           <p:nvPr>
             <p:extLst>
               <p:ext uri="{D42A27DB-BD31-4B8C-83A1-F6EECF244321}">
-                <p14:modId xmlns:p14="http://schemas.microsoft.com/office/powerpoint/2010/main" val="1058358878"/>
+                <p14:modId xmlns:p14="http://schemas.microsoft.com/office/powerpoint/2010/main" val="2768955096"/>
               </p:ext>
             </p:extLst>
           </p:nvPr>
@@ -5597,12 +5609,12 @@
           <a:graphicData uri="http://schemas.openxmlformats.org/presentationml/2006/ole">
             <mc:AlternateContent xmlns:mc="http://schemas.openxmlformats.org/markup-compatibility/2006">
               <mc:Choice xmlns:v="urn:schemas-microsoft-com:vml" Requires="v">
-                <p:oleObj name="Macro-Enabled Worksheet" r:id="rId16" imgW="6902580" imgH="311312" progId="Excel.SheetMacroEnabled.12">
+                <p:oleObj spid="_x0000_s2055" name="Macro-Enabled Worksheet" r:id="rId17" imgW="6619719" imgH="314368" progId="Excel.SheetMacroEnabled.12">
                   <p:link updateAutomatic="1"/>
                 </p:oleObj>
               </mc:Choice>
               <mc:Fallback>
-                <p:oleObj name="Macro-Enabled Worksheet" r:id="rId16" imgW="6902580" imgH="311312" progId="Excel.SheetMacroEnabled.12">
+                <p:oleObj name="Macro-Enabled Worksheet" r:id="rId17" imgW="6619719" imgH="314368" progId="Excel.SheetMacroEnabled.12">
                   <p:link updateAutomatic="1"/>
                   <p:pic>
                     <p:nvPicPr>
@@ -5611,7 +5623,7 @@
                       <p:nvPr/>
                     </p:nvPicPr>
                     <p:blipFill>
-                      <a:blip r:embed="rId17"/>
+                      <a:blip r:embed="rId18"/>
                       <a:stretch>
                         <a:fillRect/>
                       </a:stretch>
@@ -5647,7 +5659,7 @@
           <p:nvPr/>
         </p:nvPicPr>
         <p:blipFill>
-          <a:blip r:embed="rId18">
+          <a:blip r:embed="rId19">
             <a:extLst>
               <a:ext uri="{28A0092B-C50C-407E-A947-70E740481C1C}">
                 <a14:useLocalDpi xmlns:a14="http://schemas.microsoft.com/office/drawing/2010/main" val="0"/>
@@ -5683,7 +5695,7 @@
           <p:nvPr/>
         </p:nvPicPr>
         <p:blipFill rotWithShape="1">
-          <a:blip r:embed="rId19" cstate="print">
+          <a:blip r:embed="rId20" cstate="print">
             <a:extLst>
               <a:ext uri="{28A0092B-C50C-407E-A947-70E740481C1C}">
                 <a14:useLocalDpi xmlns:a14="http://schemas.microsoft.com/office/drawing/2010/main" val="0"/>
@@ -6261,6 +6273,21 @@
 </file>
 
 <file path=customXml/item1.xml><?xml version="1.0" encoding="utf-8"?>
+<p:properties xmlns:p="http://schemas.microsoft.com/office/2006/metadata/properties" xmlns:xsi="http://www.w3.org/2001/XMLSchema-instance" xmlns:pc="http://schemas.microsoft.com/office/infopath/2007/PartnerControls">
+  <documentManagement/>
+</p:properties>
+</file>
+
+<file path=customXml/item2.xml><?xml version="1.0" encoding="utf-8"?>
+<?mso-contentType ?>
+<FormTemplates xmlns="http://schemas.microsoft.com/sharepoint/v3/contenttype/forms">
+  <Display>DocumentLibraryForm</Display>
+  <Edit>DocumentLibraryForm</Edit>
+  <New>DocumentLibraryForm</New>
+</FormTemplates>
+</file>
+
+<file path=customXml/item3.xml><?xml version="1.0" encoding="utf-8"?>
 <ct:contentTypeSchema xmlns:ct="http://schemas.microsoft.com/office/2006/metadata/contentType" xmlns:ma="http://schemas.microsoft.com/office/2006/metadata/properties/metaAttributes" ct:_="" ma:_="" ma:contentTypeName="Document" ma:contentTypeID="0x0101001F513751AC33344AB32CFD2920EFE649" ma:contentTypeVersion="11" ma:contentTypeDescription="Create a new document." ma:contentTypeScope="" ma:versionID="683516f7d70434a0e4dbd6c476be8d5b">
   <xsd:schema xmlns:xsd="http://www.w3.org/2001/XMLSchema" xmlns:xs="http://www.w3.org/2001/XMLSchema" xmlns:p="http://schemas.microsoft.com/office/2006/metadata/properties" xmlns:ns2="72e3a154-4955-46c3-9573-e9dec3e1f195" xmlns:ns3="ec500478-62e0-46fc-87f1-cfa988e486b4" targetNamespace="http://schemas.microsoft.com/office/2006/metadata/properties" ma:root="true" ma:fieldsID="cf4a15c6a1eec5dbba94230cc6a50510" ns2:_="" ns3:_="">
     <xsd:import namespace="72e3a154-4955-46c3-9573-e9dec3e1f195"/>
@@ -6471,22 +6498,32 @@
 </ct:contentTypeSchema>
 </file>
 
-<file path=customXml/item2.xml><?xml version="1.0" encoding="utf-8"?>
-<?mso-contentType ?>
-<FormTemplates xmlns="http://schemas.microsoft.com/sharepoint/v3/contenttype/forms">
-  <Display>DocumentLibraryForm</Display>
-  <Edit>DocumentLibraryForm</Edit>
-  <New>DocumentLibraryForm</New>
-</FormTemplates>
+<file path=customXml/itemProps1.xml><?xml version="1.0" encoding="utf-8"?>
+<ds:datastoreItem xmlns:ds="http://schemas.openxmlformats.org/officeDocument/2006/customXml" ds:itemID="{4AFEE0E7-65B5-4841-9A79-244D5C373752}">
+  <ds:schemaRefs>
+    <ds:schemaRef ds:uri="http://purl.org/dc/elements/1.1/"/>
+    <ds:schemaRef ds:uri="http://schemas.microsoft.com/office/2006/metadata/properties"/>
+    <ds:schemaRef ds:uri="http://purl.org/dc/terms/"/>
+    <ds:schemaRef ds:uri="http://schemas.openxmlformats.org/package/2006/metadata/core-properties"/>
+    <ds:schemaRef ds:uri="72e3a154-4955-46c3-9573-e9dec3e1f195"/>
+    <ds:schemaRef ds:uri="http://schemas.microsoft.com/office/2006/documentManagement/types"/>
+    <ds:schemaRef ds:uri="http://schemas.microsoft.com/office/infopath/2007/PartnerControls"/>
+    <ds:schemaRef ds:uri="ec500478-62e0-46fc-87f1-cfa988e486b4"/>
+    <ds:schemaRef ds:uri="http://www.w3.org/XML/1998/namespace"/>
+    <ds:schemaRef ds:uri="http://purl.org/dc/dcmitype/"/>
+  </ds:schemaRefs>
+</ds:datastoreItem>
 </file>
 
-<file path=customXml/item3.xml><?xml version="1.0" encoding="utf-8"?>
-<p:properties xmlns:p="http://schemas.microsoft.com/office/2006/metadata/properties" xmlns:xsi="http://www.w3.org/2001/XMLSchema-instance" xmlns:pc="http://schemas.microsoft.com/office/infopath/2007/PartnerControls">
-  <documentManagement/>
-</p:properties>
+<file path=customXml/itemProps2.xml><?xml version="1.0" encoding="utf-8"?>
+<ds:datastoreItem xmlns:ds="http://schemas.openxmlformats.org/officeDocument/2006/customXml" ds:itemID="{163DDE5B-9594-4FF4-BA45-732F4D906AB9}">
+  <ds:schemaRefs>
+    <ds:schemaRef ds:uri="http://schemas.microsoft.com/sharepoint/v3/contenttype/forms"/>
+  </ds:schemaRefs>
+</ds:datastoreItem>
 </file>
 
-<file path=customXml/itemProps1.xml><?xml version="1.0" encoding="utf-8"?>
+<file path=customXml/itemProps3.xml><?xml version="1.0" encoding="utf-8"?>
 <ds:datastoreItem xmlns:ds="http://schemas.openxmlformats.org/officeDocument/2006/customXml" ds:itemID="{AF44EAD7-175C-4A36-BA39-6576B06D244E}">
   <ds:schemaRefs>
     <ds:schemaRef ds:uri="http://schemas.microsoft.com/office/2006/metadata/contentType"/>
@@ -6503,29 +6540,4 @@
     <ds:schemaRef ds:uri="http://schemas.microsoft.com/internal/obd"/>
   </ds:schemaRefs>
 </ds:datastoreItem>
-</file>
-
-<file path=customXml/itemProps2.xml><?xml version="1.0" encoding="utf-8"?>
-<ds:datastoreItem xmlns:ds="http://schemas.openxmlformats.org/officeDocument/2006/customXml" ds:itemID="{163DDE5B-9594-4FF4-BA45-732F4D906AB9}">
-  <ds:schemaRefs>
-    <ds:schemaRef ds:uri="http://schemas.microsoft.com/sharepoint/v3/contenttype/forms"/>
-  </ds:schemaRefs>
-</ds:datastoreItem>
-</file>
-
-<file path=customXml/itemProps3.xml><?xml version="1.0" encoding="utf-8"?>
-<ds:datastoreItem xmlns:ds="http://schemas.openxmlformats.org/officeDocument/2006/customXml" ds:itemID="{4AFEE0E7-65B5-4841-9A79-244D5C373752}">
-  <ds:schemaRefs>
-    <ds:schemaRef ds:uri="http://purl.org/dc/elements/1.1/"/>
-    <ds:schemaRef ds:uri="http://schemas.microsoft.com/office/2006/metadata/properties"/>
-    <ds:schemaRef ds:uri="http://purl.org/dc/terms/"/>
-    <ds:schemaRef ds:uri="http://schemas.openxmlformats.org/package/2006/metadata/core-properties"/>
-    <ds:schemaRef ds:uri="72e3a154-4955-46c3-9573-e9dec3e1f195"/>
-    <ds:schemaRef ds:uri="http://schemas.microsoft.com/office/2006/documentManagement/types"/>
-    <ds:schemaRef ds:uri="http://schemas.microsoft.com/office/infopath/2007/PartnerControls"/>
-    <ds:schemaRef ds:uri="ec500478-62e0-46fc-87f1-cfa988e486b4"/>
-    <ds:schemaRef ds:uri="http://www.w3.org/XML/1998/namespace"/>
-    <ds:schemaRef ds:uri="http://purl.org/dc/dcmitype/"/>
-  </ds:schemaRefs>
-</ds:datastoreItem>
 </file>